--- a/L02P03 - Smartlab IOT - Databases/L02P03 - Week 03 - Les.pptx
+++ b/L02P03 - Smartlab IOT - Databases/L02P03 - Week 03 - Les.pptx
@@ -6,15 +6,21 @@
     <p:sldMasterId id="2147483670" r:id="rId5"/>
   </p:sldMasterIdLst>
   <p:notesMasterIdLst>
-    <p:notesMasterId r:id="rId9"/>
+    <p:notesMasterId r:id="rId15"/>
   </p:notesMasterIdLst>
   <p:handoutMasterIdLst>
-    <p:handoutMasterId r:id="rId10"/>
+    <p:handoutMasterId r:id="rId16"/>
   </p:handoutMasterIdLst>
   <p:sldIdLst>
     <p:sldId id="256" r:id="rId6"/>
     <p:sldId id="388" r:id="rId7"/>
-    <p:sldId id="387" r:id="rId8"/>
+    <p:sldId id="389" r:id="rId8"/>
+    <p:sldId id="390" r:id="rId9"/>
+    <p:sldId id="391" r:id="rId10"/>
+    <p:sldId id="392" r:id="rId11"/>
+    <p:sldId id="393" r:id="rId12"/>
+    <p:sldId id="394" r:id="rId13"/>
+    <p:sldId id="387" r:id="rId14"/>
   </p:sldIdLst>
   <p:sldSz cx="12192000" cy="6858000"/>
   <p:notesSz cx="6797675" cy="9926638"/>
@@ -899,7 +905,7 @@
           <a:p>
             <a:fld id="{25ED37B6-3D2B-42F6-B75F-7E9C925A2B78}" type="datetimeFigureOut">
               <a:rPr lang="nl-NL" smtClean="0"/>
-              <a:t>07-03-2022</a:t>
+              <a:t>17-3-2023</a:t>
             </a:fld>
             <a:endParaRPr lang="nl-NL"/>
           </a:p>
@@ -965,7 +971,7 @@
           <a:p>
             <a:fld id="{70D9F7AB-EA22-43B3-A547-9779962390FA}" type="slidenum">
               <a:rPr lang="nl-NL" smtClean="0"/>
-              <a:t>‹#›</a:t>
+              <a:t>‹nr.›</a:t>
             </a:fld>
             <a:endParaRPr lang="nl-NL"/>
           </a:p>
@@ -1064,7 +1070,7 @@
           <a:p>
             <a:fld id="{67D95C54-6F9B-4C49-BF56-4D62B2D71ED9}" type="datetimeFigureOut">
               <a:rPr lang="nl-NL" smtClean="0"/>
-              <a:t>07-03-2022</a:t>
+              <a:t>17-3-2023</a:t>
             </a:fld>
             <a:endParaRPr lang="nl-NL"/>
           </a:p>
@@ -1222,7 +1228,7 @@
           <a:p>
             <a:fld id="{03F426EE-4AAC-45A7-A5E5-372300C4F3E7}" type="slidenum">
               <a:rPr lang="nl-NL" smtClean="0"/>
-              <a:t>‹#›</a:t>
+              <a:t>‹nr.›</a:t>
             </a:fld>
             <a:endParaRPr lang="nl-NL"/>
           </a:p>
@@ -1329,6 +1335,90 @@
     </a:lvl9pPr>
   </p:notesStyle>
 </p:notesMaster>
+</file>
+
+<file path=ppt/notesSlides/notesSlide1.xml><?xml version="1.0" encoding="utf-8"?>
+<p:notes xmlns:a="http://schemas.openxmlformats.org/drawingml/2006/main" xmlns:r="http://schemas.openxmlformats.org/officeDocument/2006/relationships" xmlns:p="http://schemas.openxmlformats.org/presentationml/2006/main">
+  <p:cSld>
+    <p:spTree>
+      <p:nvGrpSpPr>
+        <p:cNvPr id="1" name=""/>
+        <p:cNvGrpSpPr/>
+        <p:nvPr/>
+      </p:nvGrpSpPr>
+      <p:grpSpPr>
+        <a:xfrm>
+          <a:off x="0" y="0"/>
+          <a:ext cx="0" cy="0"/>
+          <a:chOff x="0" y="0"/>
+          <a:chExt cx="0" cy="0"/>
+        </a:xfrm>
+      </p:grpSpPr>
+      <p:sp>
+        <p:nvSpPr>
+          <p:cNvPr id="2" name="Tijdelijke aanduiding voor dia-afbeelding 1"/>
+          <p:cNvSpPr>
+            <a:spLocks noGrp="1" noRot="1" noChangeAspect="1"/>
+          </p:cNvSpPr>
+          <p:nvPr>
+            <p:ph type="sldImg"/>
+          </p:nvPr>
+        </p:nvSpPr>
+        <p:spPr/>
+      </p:sp>
+      <p:sp>
+        <p:nvSpPr>
+          <p:cNvPr id="3" name="Tijdelijke aanduiding voor notities 2"/>
+          <p:cNvSpPr>
+            <a:spLocks noGrp="1"/>
+          </p:cNvSpPr>
+          <p:nvPr>
+            <p:ph type="body" idx="1"/>
+          </p:nvPr>
+        </p:nvSpPr>
+        <p:spPr/>
+        <p:txBody>
+          <a:bodyPr/>
+          <a:lstStyle/>
+          <a:p>
+            <a:endParaRPr lang="nl-NL" dirty="0"/>
+          </a:p>
+        </p:txBody>
+      </p:sp>
+      <p:sp>
+        <p:nvSpPr>
+          <p:cNvPr id="4" name="Tijdelijke aanduiding voor dianummer 3"/>
+          <p:cNvSpPr>
+            <a:spLocks noGrp="1"/>
+          </p:cNvSpPr>
+          <p:nvPr>
+            <p:ph type="sldNum" sz="quarter" idx="10"/>
+          </p:nvPr>
+        </p:nvSpPr>
+        <p:spPr/>
+        <p:txBody>
+          <a:bodyPr/>
+          <a:lstStyle/>
+          <a:p>
+            <a:fld id="{03F426EE-4AAC-45A7-A5E5-372300C4F3E7}" type="slidenum">
+              <a:rPr lang="nl-NL" smtClean="0"/>
+              <a:t>7</a:t>
+            </a:fld>
+            <a:endParaRPr lang="nl-NL"/>
+          </a:p>
+        </p:txBody>
+      </p:sp>
+    </p:spTree>
+    <p:extLst>
+      <p:ext uri="{BB962C8B-B14F-4D97-AF65-F5344CB8AC3E}">
+        <p14:creationId xmlns:p14="http://schemas.microsoft.com/office/powerpoint/2010/main" val="759597580"/>
+      </p:ext>
+    </p:extLst>
+  </p:cSld>
+  <p:clrMapOvr>
+    <a:masterClrMapping/>
+  </p:clrMapOvr>
+</p:notes>
 </file>
 
 <file path=ppt/slideLayouts/slideLayout1.xml><?xml version="1.0" encoding="utf-8"?>
@@ -5375,6 +5465,10 @@
               <a:rPr lang="nl-NL" sz="8800" dirty="0"/>
               <a:t>Project</a:t>
             </a:r>
+            <a:r>
+              <a:rPr lang="nl-NL" dirty="0"/>
+              <a:t/>
+            </a:r>
             <a:br>
               <a:rPr lang="nl-NL" dirty="0"/>
             </a:br>
@@ -5495,6 +5589,30 @@
           </a:p>
         </p:txBody>
       </p:sp>
+      <p:pic>
+        <p:nvPicPr>
+          <p:cNvPr id="4" name="Afbeelding 3"/>
+          <p:cNvPicPr>
+            <a:picLocks noChangeAspect="1"/>
+          </p:cNvPicPr>
+          <p:nvPr/>
+        </p:nvPicPr>
+        <p:blipFill>
+          <a:blip r:embed="rId2"/>
+          <a:stretch>
+            <a:fillRect/>
+          </a:stretch>
+        </p:blipFill>
+        <p:spPr>
+          <a:xfrm>
+            <a:off x="1214356" y="1671646"/>
+            <a:ext cx="9764488" cy="4505954"/>
+          </a:xfrm>
+          <a:prstGeom prst="rect">
+            <a:avLst/>
+          </a:prstGeom>
+        </p:spPr>
+      </p:pic>
     </p:spTree>
     <p:extLst>
       <p:ext uri="{BB962C8B-B14F-4D97-AF65-F5344CB8AC3E}">
@@ -5509,6 +5627,742 @@
 </file>
 
 <file path=ppt/slides/slide3.xml><?xml version="1.0" encoding="utf-8"?>
+<p:sld xmlns:a="http://schemas.openxmlformats.org/drawingml/2006/main" xmlns:r="http://schemas.openxmlformats.org/officeDocument/2006/relationships" xmlns:p="http://schemas.openxmlformats.org/presentationml/2006/main">
+  <p:cSld>
+    <p:spTree>
+      <p:nvGrpSpPr>
+        <p:cNvPr id="1" name=""/>
+        <p:cNvGrpSpPr/>
+        <p:nvPr/>
+      </p:nvGrpSpPr>
+      <p:grpSpPr>
+        <a:xfrm>
+          <a:off x="0" y="0"/>
+          <a:ext cx="0" cy="0"/>
+          <a:chOff x="0" y="0"/>
+          <a:chExt cx="0" cy="0"/>
+        </a:xfrm>
+      </p:grpSpPr>
+      <p:sp>
+        <p:nvSpPr>
+          <p:cNvPr id="2" name="Titel 1"/>
+          <p:cNvSpPr>
+            <a:spLocks noGrp="1"/>
+          </p:cNvSpPr>
+          <p:nvPr>
+            <p:ph type="title"/>
+          </p:nvPr>
+        </p:nvSpPr>
+        <p:spPr/>
+        <p:txBody>
+          <a:bodyPr/>
+          <a:lstStyle/>
+          <a:p>
+            <a:r>
+              <a:rPr lang="nl-NL" dirty="0" smtClean="0"/>
+              <a:t>Data opvragen</a:t>
+            </a:r>
+            <a:endParaRPr lang="nl-NL" dirty="0"/>
+          </a:p>
+        </p:txBody>
+      </p:sp>
+      <p:pic>
+        <p:nvPicPr>
+          <p:cNvPr id="4" name="Afbeelding 3"/>
+          <p:cNvPicPr>
+            <a:picLocks noChangeAspect="1"/>
+          </p:cNvPicPr>
+          <p:nvPr/>
+        </p:nvPicPr>
+        <p:blipFill>
+          <a:blip r:embed="rId2"/>
+          <a:stretch>
+            <a:fillRect/>
+          </a:stretch>
+        </p:blipFill>
+        <p:spPr>
+          <a:xfrm>
+            <a:off x="266953" y="1387456"/>
+            <a:ext cx="5391902" cy="2029108"/>
+          </a:xfrm>
+          <a:prstGeom prst="rect">
+            <a:avLst/>
+          </a:prstGeom>
+        </p:spPr>
+      </p:pic>
+      <p:sp>
+        <p:nvSpPr>
+          <p:cNvPr id="5" name="Pijl-rechts 4"/>
+          <p:cNvSpPr/>
+          <p:nvPr/>
+        </p:nvSpPr>
+        <p:spPr>
+          <a:xfrm rot="8679337">
+            <a:off x="5000152" y="1215238"/>
+            <a:ext cx="1507787" cy="826851"/>
+          </a:xfrm>
+          <a:prstGeom prst="rightArrow">
+            <a:avLst/>
+          </a:prstGeom>
+        </p:spPr>
+        <p:style>
+          <a:lnRef idx="2">
+            <a:schemeClr val="accent1">
+              <a:shade val="50000"/>
+            </a:schemeClr>
+          </a:lnRef>
+          <a:fillRef idx="1">
+            <a:schemeClr val="accent1"/>
+          </a:fillRef>
+          <a:effectRef idx="0">
+            <a:schemeClr val="accent1"/>
+          </a:effectRef>
+          <a:fontRef idx="minor">
+            <a:schemeClr val="lt1"/>
+          </a:fontRef>
+        </p:style>
+        <p:txBody>
+          <a:bodyPr rtlCol="0" anchor="ctr"/>
+          <a:lstStyle/>
+          <a:p>
+            <a:pPr algn="ctr"/>
+            <a:endParaRPr lang="nl-NL"/>
+          </a:p>
+        </p:txBody>
+      </p:sp>
+      <p:pic>
+        <p:nvPicPr>
+          <p:cNvPr id="6" name="Afbeelding 5"/>
+          <p:cNvPicPr>
+            <a:picLocks noChangeAspect="1"/>
+          </p:cNvPicPr>
+          <p:nvPr/>
+        </p:nvPicPr>
+        <p:blipFill>
+          <a:blip r:embed="rId3"/>
+          <a:stretch>
+            <a:fillRect/>
+          </a:stretch>
+        </p:blipFill>
+        <p:spPr>
+          <a:xfrm>
+            <a:off x="7098375" y="134744"/>
+            <a:ext cx="4039164" cy="2267266"/>
+          </a:xfrm>
+          <a:prstGeom prst="rect">
+            <a:avLst/>
+          </a:prstGeom>
+        </p:spPr>
+      </p:pic>
+      <p:pic>
+        <p:nvPicPr>
+          <p:cNvPr id="7" name="Afbeelding 6"/>
+          <p:cNvPicPr>
+            <a:picLocks noChangeAspect="1"/>
+          </p:cNvPicPr>
+          <p:nvPr/>
+        </p:nvPicPr>
+        <p:blipFill>
+          <a:blip r:embed="rId4"/>
+          <a:stretch>
+            <a:fillRect/>
+          </a:stretch>
+        </p:blipFill>
+        <p:spPr>
+          <a:xfrm>
+            <a:off x="524163" y="3948704"/>
+            <a:ext cx="4877481" cy="2143424"/>
+          </a:xfrm>
+          <a:prstGeom prst="rect">
+            <a:avLst/>
+          </a:prstGeom>
+        </p:spPr>
+      </p:pic>
+      <p:pic>
+        <p:nvPicPr>
+          <p:cNvPr id="8" name="Afbeelding 7"/>
+          <p:cNvPicPr>
+            <a:picLocks noChangeAspect="1"/>
+          </p:cNvPicPr>
+          <p:nvPr/>
+        </p:nvPicPr>
+        <p:blipFill>
+          <a:blip r:embed="rId5"/>
+          <a:stretch>
+            <a:fillRect/>
+          </a:stretch>
+        </p:blipFill>
+        <p:spPr>
+          <a:xfrm>
+            <a:off x="5721298" y="4683402"/>
+            <a:ext cx="752580" cy="876422"/>
+          </a:xfrm>
+          <a:prstGeom prst="rect">
+            <a:avLst/>
+          </a:prstGeom>
+        </p:spPr>
+      </p:pic>
+      <p:pic>
+        <p:nvPicPr>
+          <p:cNvPr id="9" name="Afbeelding 8"/>
+          <p:cNvPicPr>
+            <a:picLocks noChangeAspect="1"/>
+          </p:cNvPicPr>
+          <p:nvPr/>
+        </p:nvPicPr>
+        <p:blipFill>
+          <a:blip r:embed="rId6"/>
+          <a:stretch>
+            <a:fillRect/>
+          </a:stretch>
+        </p:blipFill>
+        <p:spPr>
+          <a:xfrm>
+            <a:off x="6906096" y="2716215"/>
+            <a:ext cx="4858428" cy="3934374"/>
+          </a:xfrm>
+          <a:prstGeom prst="rect">
+            <a:avLst/>
+          </a:prstGeom>
+        </p:spPr>
+      </p:pic>
+    </p:spTree>
+    <p:extLst>
+      <p:ext uri="{BB962C8B-B14F-4D97-AF65-F5344CB8AC3E}">
+        <p14:creationId xmlns:p14="http://schemas.microsoft.com/office/powerpoint/2010/main" val="897761068"/>
+      </p:ext>
+    </p:extLst>
+  </p:cSld>
+  <p:clrMapOvr>
+    <a:masterClrMapping/>
+  </p:clrMapOvr>
+</p:sld>
+</file>
+
+<file path=ppt/slides/slide4.xml><?xml version="1.0" encoding="utf-8"?>
+<p:sld xmlns:a="http://schemas.openxmlformats.org/drawingml/2006/main" xmlns:r="http://schemas.openxmlformats.org/officeDocument/2006/relationships" xmlns:p="http://schemas.openxmlformats.org/presentationml/2006/main">
+  <p:cSld>
+    <p:spTree>
+      <p:nvGrpSpPr>
+        <p:cNvPr id="1" name=""/>
+        <p:cNvGrpSpPr/>
+        <p:nvPr/>
+      </p:nvGrpSpPr>
+      <p:grpSpPr>
+        <a:xfrm>
+          <a:off x="0" y="0"/>
+          <a:ext cx="0" cy="0"/>
+          <a:chOff x="0" y="0"/>
+          <a:chExt cx="0" cy="0"/>
+        </a:xfrm>
+      </p:grpSpPr>
+      <p:sp>
+        <p:nvSpPr>
+          <p:cNvPr id="2" name="Titel 1"/>
+          <p:cNvSpPr>
+            <a:spLocks noGrp="1"/>
+          </p:cNvSpPr>
+          <p:nvPr>
+            <p:ph type="title"/>
+          </p:nvPr>
+        </p:nvSpPr>
+        <p:spPr/>
+        <p:txBody>
+          <a:bodyPr/>
+          <a:lstStyle/>
+          <a:p>
+            <a:r>
+              <a:rPr lang="nl-NL" dirty="0" smtClean="0"/>
+              <a:t>Filteren</a:t>
+            </a:r>
+            <a:endParaRPr lang="nl-NL" dirty="0"/>
+          </a:p>
+        </p:txBody>
+      </p:sp>
+      <p:pic>
+        <p:nvPicPr>
+          <p:cNvPr id="4" name="Afbeelding 3"/>
+          <p:cNvPicPr>
+            <a:picLocks noChangeAspect="1"/>
+          </p:cNvPicPr>
+          <p:nvPr/>
+        </p:nvPicPr>
+        <p:blipFill>
+          <a:blip r:embed="rId2"/>
+          <a:stretch>
+            <a:fillRect/>
+          </a:stretch>
+        </p:blipFill>
+        <p:spPr>
+          <a:xfrm>
+            <a:off x="838800" y="1690688"/>
+            <a:ext cx="4505954" cy="1314633"/>
+          </a:xfrm>
+          <a:prstGeom prst="rect">
+            <a:avLst/>
+          </a:prstGeom>
+        </p:spPr>
+      </p:pic>
+      <p:pic>
+        <p:nvPicPr>
+          <p:cNvPr id="5" name="Afbeelding 4"/>
+          <p:cNvPicPr>
+            <a:picLocks noChangeAspect="1"/>
+          </p:cNvPicPr>
+          <p:nvPr/>
+        </p:nvPicPr>
+        <p:blipFill>
+          <a:blip r:embed="rId3"/>
+          <a:stretch>
+            <a:fillRect/>
+          </a:stretch>
+        </p:blipFill>
+        <p:spPr>
+          <a:xfrm>
+            <a:off x="6097588" y="1875207"/>
+            <a:ext cx="4696480" cy="4391638"/>
+          </a:xfrm>
+          <a:prstGeom prst="rect">
+            <a:avLst/>
+          </a:prstGeom>
+        </p:spPr>
+      </p:pic>
+    </p:spTree>
+    <p:extLst>
+      <p:ext uri="{BB962C8B-B14F-4D97-AF65-F5344CB8AC3E}">
+        <p14:creationId xmlns:p14="http://schemas.microsoft.com/office/powerpoint/2010/main" val="2502331102"/>
+      </p:ext>
+    </p:extLst>
+  </p:cSld>
+  <p:clrMapOvr>
+    <a:masterClrMapping/>
+  </p:clrMapOvr>
+</p:sld>
+</file>
+
+<file path=ppt/slides/slide5.xml><?xml version="1.0" encoding="utf-8"?>
+<p:sld xmlns:a="http://schemas.openxmlformats.org/drawingml/2006/main" xmlns:r="http://schemas.openxmlformats.org/officeDocument/2006/relationships" xmlns:p="http://schemas.openxmlformats.org/presentationml/2006/main">
+  <p:cSld>
+    <p:spTree>
+      <p:nvGrpSpPr>
+        <p:cNvPr id="1" name=""/>
+        <p:cNvGrpSpPr/>
+        <p:nvPr/>
+      </p:nvGrpSpPr>
+      <p:grpSpPr>
+        <a:xfrm>
+          <a:off x="0" y="0"/>
+          <a:ext cx="0" cy="0"/>
+          <a:chOff x="0" y="0"/>
+          <a:chExt cx="0" cy="0"/>
+        </a:xfrm>
+      </p:grpSpPr>
+      <p:sp>
+        <p:nvSpPr>
+          <p:cNvPr id="2" name="Titel 1"/>
+          <p:cNvSpPr>
+            <a:spLocks noGrp="1"/>
+          </p:cNvSpPr>
+          <p:nvPr>
+            <p:ph type="title"/>
+          </p:nvPr>
+        </p:nvSpPr>
+        <p:spPr/>
+        <p:txBody>
+          <a:bodyPr/>
+          <a:lstStyle/>
+          <a:p>
+            <a:r>
+              <a:rPr lang="nl-NL" dirty="0" smtClean="0"/>
+              <a:t>Sorteren</a:t>
+            </a:r>
+            <a:endParaRPr lang="nl-NL" dirty="0"/>
+          </a:p>
+        </p:txBody>
+      </p:sp>
+      <p:sp>
+        <p:nvSpPr>
+          <p:cNvPr id="3" name="Tijdelijke aanduiding voor inhoud 2"/>
+          <p:cNvSpPr>
+            <a:spLocks noGrp="1"/>
+          </p:cNvSpPr>
+          <p:nvPr>
+            <p:ph sz="half" idx="2"/>
+          </p:nvPr>
+        </p:nvSpPr>
+        <p:spPr/>
+        <p:txBody>
+          <a:bodyPr/>
+          <a:lstStyle/>
+          <a:p>
+            <a:endParaRPr lang="nl-NL"/>
+          </a:p>
+        </p:txBody>
+      </p:sp>
+      <p:pic>
+        <p:nvPicPr>
+          <p:cNvPr id="4" name="Afbeelding 3"/>
+          <p:cNvPicPr>
+            <a:picLocks noChangeAspect="1"/>
+          </p:cNvPicPr>
+          <p:nvPr/>
+        </p:nvPicPr>
+        <p:blipFill>
+          <a:blip r:embed="rId2"/>
+          <a:stretch>
+            <a:fillRect/>
+          </a:stretch>
+        </p:blipFill>
+        <p:spPr>
+          <a:xfrm>
+            <a:off x="765458" y="1690688"/>
+            <a:ext cx="4163006" cy="1762371"/>
+          </a:xfrm>
+          <a:prstGeom prst="rect">
+            <a:avLst/>
+          </a:prstGeom>
+        </p:spPr>
+      </p:pic>
+      <p:pic>
+        <p:nvPicPr>
+          <p:cNvPr id="5" name="Afbeelding 4"/>
+          <p:cNvPicPr>
+            <a:picLocks noChangeAspect="1"/>
+          </p:cNvPicPr>
+          <p:nvPr/>
+        </p:nvPicPr>
+        <p:blipFill>
+          <a:blip r:embed="rId3"/>
+          <a:stretch>
+            <a:fillRect/>
+          </a:stretch>
+        </p:blipFill>
+        <p:spPr>
+          <a:xfrm>
+            <a:off x="5548786" y="2247338"/>
+            <a:ext cx="4829849" cy="3705742"/>
+          </a:xfrm>
+          <a:prstGeom prst="rect">
+            <a:avLst/>
+          </a:prstGeom>
+        </p:spPr>
+      </p:pic>
+    </p:spTree>
+    <p:extLst>
+      <p:ext uri="{BB962C8B-B14F-4D97-AF65-F5344CB8AC3E}">
+        <p14:creationId xmlns:p14="http://schemas.microsoft.com/office/powerpoint/2010/main" val="3234915461"/>
+      </p:ext>
+    </p:extLst>
+  </p:cSld>
+  <p:clrMapOvr>
+    <a:masterClrMapping/>
+  </p:clrMapOvr>
+</p:sld>
+</file>
+
+<file path=ppt/slides/slide6.xml><?xml version="1.0" encoding="utf-8"?>
+<p:sld xmlns:a="http://schemas.openxmlformats.org/drawingml/2006/main" xmlns:r="http://schemas.openxmlformats.org/officeDocument/2006/relationships" xmlns:p="http://schemas.openxmlformats.org/presentationml/2006/main">
+  <p:cSld>
+    <p:spTree>
+      <p:nvGrpSpPr>
+        <p:cNvPr id="1" name=""/>
+        <p:cNvGrpSpPr/>
+        <p:nvPr/>
+      </p:nvGrpSpPr>
+      <p:grpSpPr>
+        <a:xfrm>
+          <a:off x="0" y="0"/>
+          <a:ext cx="0" cy="0"/>
+          <a:chOff x="0" y="0"/>
+          <a:chExt cx="0" cy="0"/>
+        </a:xfrm>
+      </p:grpSpPr>
+      <p:sp>
+        <p:nvSpPr>
+          <p:cNvPr id="2" name="Titel 1"/>
+          <p:cNvSpPr>
+            <a:spLocks noGrp="1"/>
+          </p:cNvSpPr>
+          <p:nvPr>
+            <p:ph type="title"/>
+          </p:nvPr>
+        </p:nvSpPr>
+        <p:spPr/>
+        <p:txBody>
+          <a:bodyPr/>
+          <a:lstStyle/>
+          <a:p>
+            <a:r>
+              <a:rPr lang="nl-NL" dirty="0" smtClean="0"/>
+              <a:t>Combineren</a:t>
+            </a:r>
+            <a:endParaRPr lang="nl-NL" dirty="0"/>
+          </a:p>
+        </p:txBody>
+      </p:sp>
+      <p:pic>
+        <p:nvPicPr>
+          <p:cNvPr id="4" name="Tijdelijke aanduiding voor inhoud 3"/>
+          <p:cNvPicPr>
+            <a:picLocks noGrp="1" noChangeAspect="1"/>
+          </p:cNvPicPr>
+          <p:nvPr>
+            <p:ph sz="half" idx="2"/>
+          </p:nvPr>
+        </p:nvPicPr>
+        <p:blipFill>
+          <a:blip r:embed="rId2"/>
+          <a:stretch>
+            <a:fillRect/>
+          </a:stretch>
+        </p:blipFill>
+        <p:spPr>
+          <a:xfrm>
+            <a:off x="22302" y="1290276"/>
+            <a:ext cx="3975246" cy="3894567"/>
+          </a:xfrm>
+          <a:prstGeom prst="rect">
+            <a:avLst/>
+          </a:prstGeom>
+        </p:spPr>
+      </p:pic>
+      <p:pic>
+        <p:nvPicPr>
+          <p:cNvPr id="5" name="Afbeelding 4"/>
+          <p:cNvPicPr>
+            <a:picLocks noChangeAspect="1"/>
+          </p:cNvPicPr>
+          <p:nvPr/>
+        </p:nvPicPr>
+        <p:blipFill>
+          <a:blip r:embed="rId3"/>
+          <a:stretch>
+            <a:fillRect/>
+          </a:stretch>
+        </p:blipFill>
+        <p:spPr>
+          <a:xfrm>
+            <a:off x="-16246" y="3097192"/>
+            <a:ext cx="5830976" cy="3760808"/>
+          </a:xfrm>
+          <a:prstGeom prst="rect">
+            <a:avLst/>
+          </a:prstGeom>
+        </p:spPr>
+      </p:pic>
+      <p:pic>
+        <p:nvPicPr>
+          <p:cNvPr id="6" name="Afbeelding 5"/>
+          <p:cNvPicPr>
+            <a:picLocks noChangeAspect="1"/>
+          </p:cNvPicPr>
+          <p:nvPr/>
+        </p:nvPicPr>
+        <p:blipFill>
+          <a:blip r:embed="rId4"/>
+          <a:stretch>
+            <a:fillRect/>
+          </a:stretch>
+        </p:blipFill>
+        <p:spPr>
+          <a:xfrm>
+            <a:off x="4340955" y="396784"/>
+            <a:ext cx="7744906" cy="6201640"/>
+          </a:xfrm>
+          <a:prstGeom prst="rect">
+            <a:avLst/>
+          </a:prstGeom>
+        </p:spPr>
+      </p:pic>
+    </p:spTree>
+    <p:extLst>
+      <p:ext uri="{BB962C8B-B14F-4D97-AF65-F5344CB8AC3E}">
+        <p14:creationId xmlns:p14="http://schemas.microsoft.com/office/powerpoint/2010/main" val="1515460849"/>
+      </p:ext>
+    </p:extLst>
+  </p:cSld>
+  <p:clrMapOvr>
+    <a:masterClrMapping/>
+  </p:clrMapOvr>
+</p:sld>
+</file>
+
+<file path=ppt/slides/slide7.xml><?xml version="1.0" encoding="utf-8"?>
+<p:sld xmlns:a="http://schemas.openxmlformats.org/drawingml/2006/main" xmlns:r="http://schemas.openxmlformats.org/officeDocument/2006/relationships" xmlns:p="http://schemas.openxmlformats.org/presentationml/2006/main">
+  <p:cSld>
+    <p:spTree>
+      <p:nvGrpSpPr>
+        <p:cNvPr id="1" name=""/>
+        <p:cNvGrpSpPr/>
+        <p:nvPr/>
+      </p:nvGrpSpPr>
+      <p:grpSpPr>
+        <a:xfrm>
+          <a:off x="0" y="0"/>
+          <a:ext cx="0" cy="0"/>
+          <a:chOff x="0" y="0"/>
+          <a:chExt cx="0" cy="0"/>
+        </a:xfrm>
+      </p:grpSpPr>
+      <p:sp>
+        <p:nvSpPr>
+          <p:cNvPr id="2" name="Titel 1"/>
+          <p:cNvSpPr>
+            <a:spLocks noGrp="1"/>
+          </p:cNvSpPr>
+          <p:nvPr>
+            <p:ph type="title"/>
+          </p:nvPr>
+        </p:nvSpPr>
+        <p:spPr/>
+        <p:txBody>
+          <a:bodyPr/>
+          <a:lstStyle/>
+          <a:p>
+            <a:r>
+              <a:rPr lang="nl-NL" dirty="0" smtClean="0"/>
+              <a:t>Ontwerpweergave</a:t>
+            </a:r>
+            <a:endParaRPr lang="nl-NL" dirty="0"/>
+          </a:p>
+        </p:txBody>
+      </p:sp>
+      <p:sp>
+        <p:nvSpPr>
+          <p:cNvPr id="3" name="Tijdelijke aanduiding voor inhoud 2"/>
+          <p:cNvSpPr>
+            <a:spLocks noGrp="1"/>
+          </p:cNvSpPr>
+          <p:nvPr>
+            <p:ph sz="half" idx="2"/>
+          </p:nvPr>
+        </p:nvSpPr>
+        <p:spPr/>
+        <p:txBody>
+          <a:bodyPr/>
+          <a:lstStyle/>
+          <a:p>
+            <a:endParaRPr lang="nl-NL"/>
+          </a:p>
+        </p:txBody>
+      </p:sp>
+      <p:pic>
+        <p:nvPicPr>
+          <p:cNvPr id="4" name="Afbeelding 3"/>
+          <p:cNvPicPr>
+            <a:picLocks noChangeAspect="1"/>
+          </p:cNvPicPr>
+          <p:nvPr/>
+        </p:nvPicPr>
+        <p:blipFill>
+          <a:blip r:embed="rId3"/>
+          <a:stretch>
+            <a:fillRect/>
+          </a:stretch>
+        </p:blipFill>
+        <p:spPr>
+          <a:xfrm>
+            <a:off x="1475259" y="1662686"/>
+            <a:ext cx="8735644" cy="4677428"/>
+          </a:xfrm>
+          <a:prstGeom prst="rect">
+            <a:avLst/>
+          </a:prstGeom>
+        </p:spPr>
+      </p:pic>
+    </p:spTree>
+    <p:extLst>
+      <p:ext uri="{BB962C8B-B14F-4D97-AF65-F5344CB8AC3E}">
+        <p14:creationId xmlns:p14="http://schemas.microsoft.com/office/powerpoint/2010/main" val="3921962373"/>
+      </p:ext>
+    </p:extLst>
+  </p:cSld>
+  <p:clrMapOvr>
+    <a:masterClrMapping/>
+  </p:clrMapOvr>
+</p:sld>
+</file>
+
+<file path=ppt/slides/slide8.xml><?xml version="1.0" encoding="utf-8"?>
+<p:sld xmlns:a="http://schemas.openxmlformats.org/drawingml/2006/main" xmlns:r="http://schemas.openxmlformats.org/officeDocument/2006/relationships" xmlns:p="http://schemas.openxmlformats.org/presentationml/2006/main">
+  <p:cSld>
+    <p:spTree>
+      <p:nvGrpSpPr>
+        <p:cNvPr id="1" name=""/>
+        <p:cNvGrpSpPr/>
+        <p:nvPr/>
+      </p:nvGrpSpPr>
+      <p:grpSpPr>
+        <a:xfrm>
+          <a:off x="0" y="0"/>
+          <a:ext cx="0" cy="0"/>
+          <a:chOff x="0" y="0"/>
+          <a:chExt cx="0" cy="0"/>
+        </a:xfrm>
+      </p:grpSpPr>
+      <p:sp>
+        <p:nvSpPr>
+          <p:cNvPr id="2" name="Titel 1"/>
+          <p:cNvSpPr>
+            <a:spLocks noGrp="1"/>
+          </p:cNvSpPr>
+          <p:nvPr>
+            <p:ph type="title"/>
+          </p:nvPr>
+        </p:nvSpPr>
+        <p:spPr/>
+        <p:txBody>
+          <a:bodyPr/>
+          <a:lstStyle/>
+          <a:p>
+            <a:r>
+              <a:rPr lang="nl-NL" dirty="0" smtClean="0"/>
+              <a:t>SQL</a:t>
+            </a:r>
+            <a:endParaRPr lang="nl-NL" dirty="0"/>
+          </a:p>
+        </p:txBody>
+      </p:sp>
+      <p:pic>
+        <p:nvPicPr>
+          <p:cNvPr id="4" name="Tijdelijke aanduiding voor inhoud 3"/>
+          <p:cNvPicPr>
+            <a:picLocks noGrp="1" noChangeAspect="1"/>
+          </p:cNvPicPr>
+          <p:nvPr>
+            <p:ph sz="half" idx="2"/>
+          </p:nvPr>
+        </p:nvPicPr>
+        <p:blipFill>
+          <a:blip r:embed="rId2"/>
+          <a:stretch>
+            <a:fillRect/>
+          </a:stretch>
+        </p:blipFill>
+        <p:spPr>
+          <a:xfrm>
+            <a:off x="682067" y="1690688"/>
+            <a:ext cx="10144817" cy="2925482"/>
+          </a:xfrm>
+          <a:prstGeom prst="rect">
+            <a:avLst/>
+          </a:prstGeom>
+        </p:spPr>
+      </p:pic>
+    </p:spTree>
+    <p:extLst>
+      <p:ext uri="{BB962C8B-B14F-4D97-AF65-F5344CB8AC3E}">
+        <p14:creationId xmlns:p14="http://schemas.microsoft.com/office/powerpoint/2010/main" val="1321409305"/>
+      </p:ext>
+    </p:extLst>
+  </p:cSld>
+  <p:clrMapOvr>
+    <a:masterClrMapping/>
+  </p:clrMapOvr>
+</p:sld>
+</file>
+
+<file path=ppt/slides/slide9.xml><?xml version="1.0" encoding="utf-8"?>
 <p:sld xmlns:a="http://schemas.openxmlformats.org/drawingml/2006/main" xmlns:r="http://schemas.openxmlformats.org/officeDocument/2006/relationships" xmlns:p="http://schemas.openxmlformats.org/presentationml/2006/main">
   <p:cSld>
     <p:spTree>
@@ -6708,6 +7562,21 @@
 </file>
 
 <file path=customXml/item1.xml><?xml version="1.0" encoding="utf-8"?>
+<?mso-contentType ?>
+<FormTemplates xmlns="http://schemas.microsoft.com/sharepoint/v3/contenttype/forms">
+  <Display>DocumentLibraryForm</Display>
+  <Edit>DocumentLibraryForm</Edit>
+  <New>DocumentLibraryForm</New>
+</FormTemplates>
+</file>
+
+<file path=customXml/item2.xml><?xml version="1.0" encoding="utf-8"?>
+<p:properties xmlns:p="http://schemas.microsoft.com/office/2006/metadata/properties" xmlns:xsi="http://www.w3.org/2001/XMLSchema-instance" xmlns:pc="http://schemas.microsoft.com/office/infopath/2007/PartnerControls">
+  <documentManagement/>
+</p:properties>
+</file>
+
+<file path=customXml/item3.xml><?xml version="1.0" encoding="utf-8"?>
 <ct:contentTypeSchema xmlns:ct="http://schemas.microsoft.com/office/2006/metadata/contentType" xmlns:ma="http://schemas.microsoft.com/office/2006/metadata/properties/metaAttributes" ct:_="" ma:_="" ma:contentTypeName="Document" ma:contentTypeID="0x0101004EE29C275B0330428D2BFA2C8D576F4B" ma:contentTypeVersion="0" ma:contentTypeDescription="Een nieuw document maken." ma:contentTypeScope="" ma:versionID="6f3e0ea117c09d99e40ae3b100a299dc">
   <xsd:schema xmlns:xsd="http://www.w3.org/2001/XMLSchema" xmlns:xs="http://www.w3.org/2001/XMLSchema" xmlns:p="http://schemas.microsoft.com/office/2006/metadata/properties" targetNamespace="http://schemas.microsoft.com/office/2006/metadata/properties" ma:root="true" ma:fieldsID="1978a156f712f99d6452530788f7ffe9">
     <xsd:element name="properties">
@@ -6821,33 +7690,10 @@
 </ct:contentTypeSchema>
 </file>
 
-<file path=customXml/item2.xml><?xml version="1.0" encoding="utf-8"?>
-<p:properties xmlns:p="http://schemas.microsoft.com/office/2006/metadata/properties" xmlns:xsi="http://www.w3.org/2001/XMLSchema-instance" xmlns:pc="http://schemas.microsoft.com/office/infopath/2007/PartnerControls">
-  <documentManagement/>
-</p:properties>
-</file>
-
-<file path=customXml/item3.xml><?xml version="1.0" encoding="utf-8"?>
-<?mso-contentType ?>
-<FormTemplates xmlns="http://schemas.microsoft.com/sharepoint/v3/contenttype/forms">
-  <Display>DocumentLibraryForm</Display>
-  <Edit>DocumentLibraryForm</Edit>
-  <New>DocumentLibraryForm</New>
-</FormTemplates>
-</file>
-
 <file path=customXml/itemProps1.xml><?xml version="1.0" encoding="utf-8"?>
-<ds:datastoreItem xmlns:ds="http://schemas.openxmlformats.org/officeDocument/2006/customXml" ds:itemID="{7C812B3D-632E-45B1-BE3D-5F5FC6F96A1A}">
+<ds:datastoreItem xmlns:ds="http://schemas.openxmlformats.org/officeDocument/2006/customXml" ds:itemID="{C58370CC-8AF3-4E85-911D-3C7AD1FAAE10}">
   <ds:schemaRefs>
-    <ds:schemaRef ds:uri="http://schemas.microsoft.com/office/2006/metadata/contentType"/>
-    <ds:schemaRef ds:uri="http://schemas.microsoft.com/office/2006/metadata/properties/metaAttributes"/>
-    <ds:schemaRef ds:uri="http://www.w3.org/2001/XMLSchema"/>
-    <ds:schemaRef ds:uri="http://schemas.microsoft.com/office/2006/metadata/properties"/>
-    <ds:schemaRef ds:uri="http://schemas.openxmlformats.org/package/2006/metadata/core-properties"/>
-    <ds:schemaRef ds:uri="http://purl.org/dc/elements/1.1/"/>
-    <ds:schemaRef ds:uri="http://purl.org/dc/terms/"/>
-    <ds:schemaRef ds:uri="http://schemas.microsoft.com/internal/obd"/>
-    <ds:schemaRef ds:uri="http://schemas.microsoft.com/office/infopath/2007/PartnerControls"/>
+    <ds:schemaRef ds:uri="http://schemas.microsoft.com/sharepoint/v3/contenttype/forms"/>
   </ds:schemaRefs>
 </ds:datastoreItem>
 </file>
@@ -6868,9 +7714,17 @@
 </file>
 
 <file path=customXml/itemProps3.xml><?xml version="1.0" encoding="utf-8"?>
-<ds:datastoreItem xmlns:ds="http://schemas.openxmlformats.org/officeDocument/2006/customXml" ds:itemID="{C58370CC-8AF3-4E85-911D-3C7AD1FAAE10}">
+<ds:datastoreItem xmlns:ds="http://schemas.openxmlformats.org/officeDocument/2006/customXml" ds:itemID="{7C812B3D-632E-45B1-BE3D-5F5FC6F96A1A}">
   <ds:schemaRefs>
-    <ds:schemaRef ds:uri="http://schemas.microsoft.com/sharepoint/v3/contenttype/forms"/>
+    <ds:schemaRef ds:uri="http://schemas.microsoft.com/office/2006/metadata/contentType"/>
+    <ds:schemaRef ds:uri="http://schemas.microsoft.com/office/2006/metadata/properties/metaAttributes"/>
+    <ds:schemaRef ds:uri="http://www.w3.org/2001/XMLSchema"/>
+    <ds:schemaRef ds:uri="http://schemas.microsoft.com/office/2006/metadata/properties"/>
+    <ds:schemaRef ds:uri="http://schemas.openxmlformats.org/package/2006/metadata/core-properties"/>
+    <ds:schemaRef ds:uri="http://purl.org/dc/elements/1.1/"/>
+    <ds:schemaRef ds:uri="http://purl.org/dc/terms/"/>
+    <ds:schemaRef ds:uri="http://schemas.microsoft.com/internal/obd"/>
+    <ds:schemaRef ds:uri="http://schemas.microsoft.com/office/infopath/2007/PartnerControls"/>
   </ds:schemaRefs>
 </ds:datastoreItem>
 </file>